--- a/Presentation/programmeertheorie_19april.pptx
+++ b/Presentation/programmeertheorie_19april.pptx
@@ -256,6 +256,11 @@
       </a:defRPr>
     </a:lvl9pPr>
   </p:defaultTextStyle>
+  <p:extLst>
+    <p:ext uri="{EFAFB233-063F-42B5-8137-9DF3F51BA10A}">
+      <p15:sldGuideLst xmlns:p15="http://schemas.microsoft.com/office/powerpoint/2012/main"/>
+    </p:ext>
+  </p:extLst>
 </p:presentation>
 </file>
 
@@ -25259,30 +25264,47 @@
       </p:sp>
       <p:pic>
         <p:nvPicPr>
-          <p:cNvPr id="215" name="Shape 215"/>
-          <p:cNvPicPr preferRelativeResize="0"/>
+          <p:cNvPr id="1026" name="Picture 2" descr="Gerelateerde afbeelding">
+            <a:extLst>
+              <a:ext uri="{FF2B5EF4-FFF2-40B4-BE49-F238E27FC236}">
+                <a16:creationId xmlns:a16="http://schemas.microsoft.com/office/drawing/2014/main" id="{15CE4A8B-603A-4085-8B7F-782AF9B38B98}"/>
+              </a:ext>
+            </a:extLst>
+          </p:cNvPr>
+          <p:cNvPicPr>
+            <a:picLocks noChangeAspect="1" noChangeArrowheads="1"/>
+          </p:cNvPicPr>
           <p:nvPr/>
         </p:nvPicPr>
-        <p:blipFill>
+        <p:blipFill rotWithShape="1">
           <a:blip r:embed="rId3">
-            <a:alphaModFix/>
+            <a:extLst>
+              <a:ext uri="{28A0092B-C50C-407E-A947-70E740481C1C}">
+                <a14:useLocalDpi xmlns:a14="http://schemas.microsoft.com/office/drawing/2010/main" val="0"/>
+              </a:ext>
+            </a:extLst>
           </a:blip>
-          <a:stretch>
-            <a:fillRect/>
-          </a:stretch>
+          <a:srcRect l="9133"/>
+          <a:stretch/>
         </p:blipFill>
-        <p:spPr>
+        <p:spPr bwMode="auto">
           <a:xfrm>
-            <a:off x="7858700" y="2727000"/>
-            <a:ext cx="2935324" cy="2348274"/>
+            <a:off x="6232358" y="3048944"/>
+            <a:ext cx="5365135" cy="3241260"/>
           </a:xfrm>
           <a:prstGeom prst="rect">
             <a:avLst/>
           </a:prstGeom>
           <a:noFill/>
-          <a:ln>
-            <a:noFill/>
-          </a:ln>
+          <a:extLst>
+            <a:ext uri="{909E8E84-426E-40DD-AFC4-6F175D3DCCD1}">
+              <a14:hiddenFill xmlns:a14="http://schemas.microsoft.com/office/drawing/2010/main">
+                <a:solidFill>
+                  <a:srgbClr val="FFFFFF"/>
+                </a:solidFill>
+              </a14:hiddenFill>
+            </a:ext>
+          </a:extLst>
         </p:spPr>
       </p:pic>
     </p:spTree>

--- a/Presentation/programmeertheorie_19april.pptx
+++ b/Presentation/programmeertheorie_19april.pptx
@@ -5,7 +5,7 @@
     <p:sldMasterId id="2147483665" r:id="rId1"/>
   </p:sldMasterIdLst>
   <p:notesMasterIdLst>
-    <p:notesMasterId r:id="rId9"/>
+    <p:notesMasterId r:id="rId10"/>
   </p:notesMasterIdLst>
   <p:sldIdLst>
     <p:sldId id="256" r:id="rId2"/>
@@ -14,17 +14,18 @@
     <p:sldId id="259" r:id="rId5"/>
     <p:sldId id="260" r:id="rId6"/>
     <p:sldId id="261" r:id="rId7"/>
-    <p:sldId id="262" r:id="rId8"/>
+    <p:sldId id="263" r:id="rId8"/>
+    <p:sldId id="262" r:id="rId9"/>
   </p:sldIdLst>
   <p:sldSz cx="12192000" cy="6858000"/>
   <p:notesSz cx="6858000" cy="9144000"/>
   <p:embeddedFontLst>
     <p:embeddedFont>
       <p:font typeface="Garamond" panose="02020404030301010803" pitchFamily="18" charset="0"/>
-      <p:regular r:id="rId10"/>
-      <p:bold r:id="rId11"/>
-      <p:italic r:id="rId12"/>
-      <p:boldItalic r:id="rId13"/>
+      <p:regular r:id="rId11"/>
+      <p:bold r:id="rId12"/>
+      <p:italic r:id="rId13"/>
+      <p:boldItalic r:id="rId14"/>
     </p:embeddedFont>
   </p:embeddedFontLst>
   <p:defaultTextStyle>
@@ -25111,6 +25112,133 @@
   <p:cSld>
     <p:spTree>
       <p:nvGrpSpPr>
+        <p:cNvPr id="1" name=""/>
+        <p:cNvGrpSpPr/>
+        <p:nvPr/>
+      </p:nvGrpSpPr>
+      <p:grpSpPr>
+        <a:xfrm>
+          <a:off x="0" y="0"/>
+          <a:ext cx="0" cy="0"/>
+          <a:chOff x="0" y="0"/>
+          <a:chExt cx="0" cy="0"/>
+        </a:xfrm>
+      </p:grpSpPr>
+      <p:sp>
+        <p:nvSpPr>
+          <p:cNvPr id="2" name="Titel 1">
+            <a:extLst>
+              <a:ext uri="{FF2B5EF4-FFF2-40B4-BE49-F238E27FC236}">
+                <a16:creationId xmlns:a16="http://schemas.microsoft.com/office/drawing/2014/main" id="{9E44B53D-8A13-4FEF-A513-6B0683A97DBC}"/>
+              </a:ext>
+            </a:extLst>
+          </p:cNvPr>
+          <p:cNvSpPr>
+            <a:spLocks noGrp="1"/>
+          </p:cNvSpPr>
+          <p:nvPr>
+            <p:ph type="title"/>
+          </p:nvPr>
+        </p:nvSpPr>
+        <p:spPr/>
+        <p:txBody>
+          <a:bodyPr/>
+          <a:lstStyle/>
+          <a:p>
+            <a:endParaRPr lang="nl-NL"/>
+          </a:p>
+        </p:txBody>
+      </p:sp>
+      <p:sp>
+        <p:nvSpPr>
+          <p:cNvPr id="3" name="Tijdelijke aanduiding voor tekst 2">
+            <a:extLst>
+              <a:ext uri="{FF2B5EF4-FFF2-40B4-BE49-F238E27FC236}">
+                <a16:creationId xmlns:a16="http://schemas.microsoft.com/office/drawing/2014/main" id="{C9440DF5-7E19-4AD9-90B5-2311B4305C95}"/>
+              </a:ext>
+            </a:extLst>
+          </p:cNvPr>
+          <p:cNvSpPr>
+            <a:spLocks noGrp="1"/>
+          </p:cNvSpPr>
+          <p:nvPr>
+            <p:ph type="body" idx="1"/>
+          </p:nvPr>
+        </p:nvSpPr>
+        <p:spPr/>
+        <p:txBody>
+          <a:bodyPr/>
+          <a:lstStyle/>
+          <a:p>
+            <a:endParaRPr lang="nl-NL"/>
+          </a:p>
+        </p:txBody>
+      </p:sp>
+      <p:pic>
+        <p:nvPicPr>
+          <p:cNvPr id="1026" name="Picture 2" descr="https://attachment.outlook.live.net/owa/mellegelok@live.nl/service.svc/s/GetFileAttachment?id=AQMkADAwATNiZmYAZC04OABhNy1jNGJkLTAwAi0wMAoARgAAA4MkCN0ceihDkm3dBOAhaqQHAHajKWri4gAGSooK3of7PL0kAAACAQwAAAB2oylq4uIABkqKCt6H%2Bzy9JAAB0U%2BzKgAAAAESABAApCJuWfFeZEqg9giLg%2BrfaA%3D%3D&amp;X-OWA-CANARY=ivx4mJETGEa_6Fc6VRPtcDCZGHXvsNUYMWXCmqCXjuGX-VXDVbnl55Sm1M0K8AXDLWaS5ZnAA5o.&amp;token=eyJ0eXAiOiJKV1QiLCJhbGciOiJSUzI1NiIsIng1dCI6IkJnRDU5blJpQnpmbk5BVGloOFJhZ1l5M3pyZyJ9.eyJ2ZXIiOiJFeGNoYW5nZS5DYWxsYmFjay5WMSIsImFwcGN0eHNlbmRlciI6Ik93YURvd25sb2FkQDg0ZGY5ZTdmLWU5ZjYtNDBhZi1iNDM1LWFhYWFhYWFhYWFhYSIsImFwcGN0eCI6IntcIm1zZXhjaHByb3RcIjpcIm93YVwiLFwicHJpbWFyeXNpZFwiOlwiUy0xLTI4MjctMjQ1NzU3LTIyOTI2OTYyNTNcIixcInB1aWRcIjpcIjEwNTU1MjA1NzA0NTkzMjVcIixcIm9pZFwiOlwiMDAwM2JmZmQtODhhNy1jNGJkLTAwMDAtMDAwMDAwMDAwMDAwXCIsXCJzY29wZVwiOlwiT3dhRG93bmxvYWRcIn0iLCJpc3MiOiIwMDAwMDAwMi0wMDAwLTBmZjEtY2UwMC0wMDAwMDAwMDAwMDBAODRkZjllN2YtZTlmNi00MGFmLWI0MzUtYWFhYWFhYWFhYWFhIiwiYXVkIjoiMDAwMDAwMDItMDAwMC0wZmYxLWNlMDAtMDAwMDAwMDAwMDAwL2F0dGFjaG1lbnQub3V0bG9vay5saXZlLm5ldEA4NGRmOWU3Zi1lOWY2LTQwYWYtYjQzNS1hYWFhYWFhYWFhYWEiLCJleHAiOjE1MjUzNTAyODUsIm5iZiI6MTUyNTM0OTY4NX0.B5Gp0fKER-lkObo2qGTx_0y6nNVO7-g59jcRloGVjvAucw9q6eU9jMV2Ejb3YLKrX8NP_V6FX24MXBH5WQv4cVc_bu8-lkrulBv3FBjzgmY7l7lcfbEKLpEwj0r7l1kSILjb5wNKmJL_nPzC9nC-hKbgnRbr9Y0LeL1qKzclYciaBjPNWArtDH2L6w4vCueMBgIGFDT3Aw9hwkha_a8W-KpX9047vfq-yfmMzE1cqZxctrbvrTXEsiA0fpsQRD4Bbi740jMOdT1TBk8Ik1v689CPaeeHZqYpapvxCEDxK0yp1mGyVOM9s6rqW1AsJaoc9b5p7Aw-t4Rt0C-3PGJgrQ&amp;owa=outlook.live.com&amp;isc=1&amp;isImagePreview=True">
+            <a:extLst>
+              <a:ext uri="{FF2B5EF4-FFF2-40B4-BE49-F238E27FC236}">
+                <a16:creationId xmlns:a16="http://schemas.microsoft.com/office/drawing/2014/main" id="{6D6FA87F-A5C9-4E9B-B35B-EC62CBDDB38D}"/>
+              </a:ext>
+            </a:extLst>
+          </p:cNvPr>
+          <p:cNvPicPr>
+            <a:picLocks noChangeAspect="1" noChangeArrowheads="1"/>
+          </p:cNvPicPr>
+          <p:nvPr/>
+        </p:nvPicPr>
+        <p:blipFill>
+          <a:blip r:embed="rId2">
+            <a:extLst>
+              <a:ext uri="{28A0092B-C50C-407E-A947-70E740481C1C}">
+                <a14:useLocalDpi xmlns:a14="http://schemas.microsoft.com/office/drawing/2010/main" val="0"/>
+              </a:ext>
+            </a:extLst>
+          </a:blip>
+          <a:srcRect/>
+          <a:stretch>
+            <a:fillRect/>
+          </a:stretch>
+        </p:blipFill>
+        <p:spPr bwMode="auto">
+          <a:xfrm>
+            <a:off x="0" y="4763"/>
+            <a:ext cx="12192000" cy="6848475"/>
+          </a:xfrm>
+          <a:prstGeom prst="rect">
+            <a:avLst/>
+          </a:prstGeom>
+          <a:noFill/>
+          <a:extLst>
+            <a:ext uri="{909E8E84-426E-40DD-AFC4-6F175D3DCCD1}">
+              <a14:hiddenFill xmlns:a14="http://schemas.microsoft.com/office/drawing/2010/main">
+                <a:solidFill>
+                  <a:srgbClr val="FFFFFF"/>
+                </a:solidFill>
+              </a14:hiddenFill>
+            </a:ext>
+          </a:extLst>
+        </p:spPr>
+      </p:pic>
+    </p:spTree>
+    <p:extLst>
+      <p:ext uri="{BB962C8B-B14F-4D97-AF65-F5344CB8AC3E}">
+        <p14:creationId xmlns:p14="http://schemas.microsoft.com/office/powerpoint/2010/main" val="2483736116"/>
+      </p:ext>
+    </p:extLst>
+  </p:cSld>
+  <p:clrMapOvr>
+    <a:masterClrMapping/>
+  </p:clrMapOvr>
+</p:sld>
+</file>
+
+<file path=ppt/slides/slide8.xml><?xml version="1.0" encoding="utf-8"?>
+<p:sld xmlns:a="http://schemas.openxmlformats.org/drawingml/2006/main" xmlns:r="http://schemas.openxmlformats.org/officeDocument/2006/relationships" xmlns:p="http://schemas.openxmlformats.org/presentationml/2006/main">
+  <p:cSld>
+    <p:spTree>
+      <p:nvGrpSpPr>
         <p:cNvPr id="1" name="Shape 212"/>
         <p:cNvGrpSpPr/>
         <p:nvPr/>
